--- a/Azure Monitor.pptx
+++ b/Azure Monitor.pptx
@@ -14,6 +14,8 @@
     <p:sldId id="262" r:id="rId8"/>
     <p:sldId id="263" r:id="rId9"/>
     <p:sldId id="264" r:id="rId10"/>
+    <p:sldId id="265" r:id="rId11"/>
+    <p:sldId id="266" r:id="rId12"/>
   </p:sldIdLst>
   <p:sldSz cx="12192000" cy="6858000"/>
   <p:notesSz cx="6858000" cy="9144000"/>
@@ -3497,7 +3499,7 @@
           <a:p>
             <a:fld id="{96EBAB96-C29F-42B4-A090-E3D95DED606D}" type="datetimeFigureOut">
               <a:rPr lang="en-IN" smtClean="0"/>
-              <a:t>01-06-2024</a:t>
+              <a:t>02-06-2024</a:t>
             </a:fld>
             <a:endParaRPr lang="en-IN"/>
           </a:p>
@@ -3697,7 +3699,7 @@
           <a:p>
             <a:fld id="{96EBAB96-C29F-42B4-A090-E3D95DED606D}" type="datetimeFigureOut">
               <a:rPr lang="en-IN" smtClean="0"/>
-              <a:t>01-06-2024</a:t>
+              <a:t>02-06-2024</a:t>
             </a:fld>
             <a:endParaRPr lang="en-IN"/>
           </a:p>
@@ -3907,7 +3909,7 @@
           <a:p>
             <a:fld id="{96EBAB96-C29F-42B4-A090-E3D95DED606D}" type="datetimeFigureOut">
               <a:rPr lang="en-IN" smtClean="0"/>
-              <a:t>01-06-2024</a:t>
+              <a:t>02-06-2024</a:t>
             </a:fld>
             <a:endParaRPr lang="en-IN"/>
           </a:p>
@@ -4107,7 +4109,7 @@
           <a:p>
             <a:fld id="{96EBAB96-C29F-42B4-A090-E3D95DED606D}" type="datetimeFigureOut">
               <a:rPr lang="en-IN" smtClean="0"/>
-              <a:t>01-06-2024</a:t>
+              <a:t>02-06-2024</a:t>
             </a:fld>
             <a:endParaRPr lang="en-IN"/>
           </a:p>
@@ -4383,7 +4385,7 @@
           <a:p>
             <a:fld id="{96EBAB96-C29F-42B4-A090-E3D95DED606D}" type="datetimeFigureOut">
               <a:rPr lang="en-IN" smtClean="0"/>
-              <a:t>01-06-2024</a:t>
+              <a:t>02-06-2024</a:t>
             </a:fld>
             <a:endParaRPr lang="en-IN"/>
           </a:p>
@@ -4651,7 +4653,7 @@
           <a:p>
             <a:fld id="{96EBAB96-C29F-42B4-A090-E3D95DED606D}" type="datetimeFigureOut">
               <a:rPr lang="en-IN" smtClean="0"/>
-              <a:t>01-06-2024</a:t>
+              <a:t>02-06-2024</a:t>
             </a:fld>
             <a:endParaRPr lang="en-IN"/>
           </a:p>
@@ -5066,7 +5068,7 @@
           <a:p>
             <a:fld id="{96EBAB96-C29F-42B4-A090-E3D95DED606D}" type="datetimeFigureOut">
               <a:rPr lang="en-IN" smtClean="0"/>
-              <a:t>01-06-2024</a:t>
+              <a:t>02-06-2024</a:t>
             </a:fld>
             <a:endParaRPr lang="en-IN"/>
           </a:p>
@@ -5208,7 +5210,7 @@
           <a:p>
             <a:fld id="{96EBAB96-C29F-42B4-A090-E3D95DED606D}" type="datetimeFigureOut">
               <a:rPr lang="en-IN" smtClean="0"/>
-              <a:t>01-06-2024</a:t>
+              <a:t>02-06-2024</a:t>
             </a:fld>
             <a:endParaRPr lang="en-IN"/>
           </a:p>
@@ -5321,7 +5323,7 @@
           <a:p>
             <a:fld id="{96EBAB96-C29F-42B4-A090-E3D95DED606D}" type="datetimeFigureOut">
               <a:rPr lang="en-IN" smtClean="0"/>
-              <a:t>01-06-2024</a:t>
+              <a:t>02-06-2024</a:t>
             </a:fld>
             <a:endParaRPr lang="en-IN"/>
           </a:p>
@@ -5634,7 +5636,7 @@
           <a:p>
             <a:fld id="{96EBAB96-C29F-42B4-A090-E3D95DED606D}" type="datetimeFigureOut">
               <a:rPr lang="en-IN" smtClean="0"/>
-              <a:t>01-06-2024</a:t>
+              <a:t>02-06-2024</a:t>
             </a:fld>
             <a:endParaRPr lang="en-IN"/>
           </a:p>
@@ -5923,7 +5925,7 @@
           <a:p>
             <a:fld id="{96EBAB96-C29F-42B4-A090-E3D95DED606D}" type="datetimeFigureOut">
               <a:rPr lang="en-IN" smtClean="0"/>
-              <a:t>01-06-2024</a:t>
+              <a:t>02-06-2024</a:t>
             </a:fld>
             <a:endParaRPr lang="en-IN"/>
           </a:p>
@@ -6166,7 +6168,7 @@
           <a:p>
             <a:fld id="{96EBAB96-C29F-42B4-A090-E3D95DED606D}" type="datetimeFigureOut">
               <a:rPr lang="en-IN" smtClean="0"/>
-              <a:t>01-06-2024</a:t>
+              <a:t>02-06-2024</a:t>
             </a:fld>
             <a:endParaRPr lang="en-IN"/>
           </a:p>
@@ -6641,6 +6643,194 @@
     <p:extLst>
       <p:ext uri="{BB962C8B-B14F-4D97-AF65-F5344CB8AC3E}">
         <p14:creationId xmlns:p14="http://schemas.microsoft.com/office/powerpoint/2010/main" val="546114836"/>
+      </p:ext>
+    </p:extLst>
+  </p:cSld>
+  <p:clrMapOvr>
+    <a:masterClrMapping/>
+  </p:clrMapOvr>
+</p:sld>
+</file>
+
+<file path=ppt/slides/slide10.xml><?xml version="1.0" encoding="utf-8"?>
+<p:sld xmlns:a="http://schemas.openxmlformats.org/drawingml/2006/main" xmlns:r="http://schemas.openxmlformats.org/officeDocument/2006/relationships" xmlns:p="http://schemas.openxmlformats.org/presentationml/2006/main">
+  <p:cSld>
+    <p:spTree>
+      <p:nvGrpSpPr>
+        <p:cNvPr id="1" name=""/>
+        <p:cNvGrpSpPr/>
+        <p:nvPr/>
+      </p:nvGrpSpPr>
+      <p:grpSpPr>
+        <a:xfrm>
+          <a:off x="0" y="0"/>
+          <a:ext cx="0" cy="0"/>
+          <a:chOff x="0" y="0"/>
+          <a:chExt cx="0" cy="0"/>
+        </a:xfrm>
+      </p:grpSpPr>
+      <p:sp>
+        <p:nvSpPr>
+          <p:cNvPr id="2" name="Title 1">
+            <a:extLst>
+              <a:ext uri="{FF2B5EF4-FFF2-40B4-BE49-F238E27FC236}">
+                <a16:creationId xmlns:a16="http://schemas.microsoft.com/office/drawing/2014/main" id="{084E76C8-A236-DB25-A926-1B7D1353F303}"/>
+              </a:ext>
+            </a:extLst>
+          </p:cNvPr>
+          <p:cNvSpPr>
+            <a:spLocks noGrp="1"/>
+          </p:cNvSpPr>
+          <p:nvPr>
+            <p:ph type="title"/>
+          </p:nvPr>
+        </p:nvSpPr>
+        <p:spPr/>
+        <p:txBody>
+          <a:bodyPr/>
+          <a:lstStyle/>
+          <a:p>
+            <a:r>
+              <a:rPr lang="en-US" dirty="0"/>
+              <a:t>Azure Service Health</a:t>
+            </a:r>
+          </a:p>
+        </p:txBody>
+      </p:sp>
+      <p:sp>
+        <p:nvSpPr>
+          <p:cNvPr id="3" name="Content Placeholder 2">
+            <a:extLst>
+              <a:ext uri="{FF2B5EF4-FFF2-40B4-BE49-F238E27FC236}">
+                <a16:creationId xmlns:a16="http://schemas.microsoft.com/office/drawing/2014/main" id="{A5FC9401-4320-89F8-5673-917CDFCCA0F6}"/>
+              </a:ext>
+            </a:extLst>
+          </p:cNvPr>
+          <p:cNvSpPr>
+            <a:spLocks noGrp="1"/>
+          </p:cNvSpPr>
+          <p:nvPr>
+            <p:ph idx="1"/>
+          </p:nvPr>
+        </p:nvSpPr>
+        <p:spPr/>
+        <p:txBody>
+          <a:bodyPr/>
+          <a:lstStyle/>
+          <a:p>
+            <a:r>
+              <a:rPr lang="en-US" dirty="0">
+                <a:hlinkClick r:id="rId2"/>
+              </a:rPr>
+              <a:t>https://azure.status.microsoft/en-us/status</a:t>
+            </a:r>
+            <a:endParaRPr lang="en-US" dirty="0"/>
+          </a:p>
+          <a:p>
+            <a:r>
+              <a:rPr lang="en-US" dirty="0"/>
+              <a:t>Product by Region: </a:t>
+            </a:r>
+            <a:r>
+              <a:rPr lang="en-US" dirty="0">
+                <a:hlinkClick r:id="rId3"/>
+              </a:rPr>
+              <a:t>https://azure.microsoft.com/en-in/explore/global-infrastructure/products-by-region/</a:t>
+            </a:r>
+            <a:endParaRPr lang="en-US" dirty="0"/>
+          </a:p>
+        </p:txBody>
+      </p:sp>
+    </p:spTree>
+    <p:extLst>
+      <p:ext uri="{BB962C8B-B14F-4D97-AF65-F5344CB8AC3E}">
+        <p14:creationId xmlns:p14="http://schemas.microsoft.com/office/powerpoint/2010/main" val="2401575248"/>
+      </p:ext>
+    </p:extLst>
+  </p:cSld>
+  <p:clrMapOvr>
+    <a:masterClrMapping/>
+  </p:clrMapOvr>
+</p:sld>
+</file>
+
+<file path=ppt/slides/slide11.xml><?xml version="1.0" encoding="utf-8"?>
+<p:sld xmlns:a="http://schemas.openxmlformats.org/drawingml/2006/main" xmlns:r="http://schemas.openxmlformats.org/officeDocument/2006/relationships" xmlns:p="http://schemas.openxmlformats.org/presentationml/2006/main">
+  <p:cSld>
+    <p:spTree>
+      <p:nvGrpSpPr>
+        <p:cNvPr id="1" name=""/>
+        <p:cNvGrpSpPr/>
+        <p:nvPr/>
+      </p:nvGrpSpPr>
+      <p:grpSpPr>
+        <a:xfrm>
+          <a:off x="0" y="0"/>
+          <a:ext cx="0" cy="0"/>
+          <a:chOff x="0" y="0"/>
+          <a:chExt cx="0" cy="0"/>
+        </a:xfrm>
+      </p:grpSpPr>
+      <p:sp>
+        <p:nvSpPr>
+          <p:cNvPr id="2" name="Title 1">
+            <a:extLst>
+              <a:ext uri="{FF2B5EF4-FFF2-40B4-BE49-F238E27FC236}">
+                <a16:creationId xmlns:a16="http://schemas.microsoft.com/office/drawing/2014/main" id="{985EE041-5466-F2AB-3DAB-471EE931C50C}"/>
+              </a:ext>
+            </a:extLst>
+          </p:cNvPr>
+          <p:cNvSpPr>
+            <a:spLocks noGrp="1"/>
+          </p:cNvSpPr>
+          <p:nvPr>
+            <p:ph type="title"/>
+          </p:nvPr>
+        </p:nvSpPr>
+        <p:spPr/>
+        <p:txBody>
+          <a:bodyPr/>
+          <a:lstStyle/>
+          <a:p>
+            <a:r>
+              <a:rPr lang="en-US" dirty="0"/>
+              <a:t>Azure Architecture Center</a:t>
+            </a:r>
+          </a:p>
+        </p:txBody>
+      </p:sp>
+      <p:sp>
+        <p:nvSpPr>
+          <p:cNvPr id="3" name="Content Placeholder 2">
+            <a:extLst>
+              <a:ext uri="{FF2B5EF4-FFF2-40B4-BE49-F238E27FC236}">
+                <a16:creationId xmlns:a16="http://schemas.microsoft.com/office/drawing/2014/main" id="{FC574055-1C71-F22B-4B78-28404233390D}"/>
+              </a:ext>
+            </a:extLst>
+          </p:cNvPr>
+          <p:cNvSpPr>
+            <a:spLocks noGrp="1"/>
+          </p:cNvSpPr>
+          <p:nvPr>
+            <p:ph idx="1"/>
+          </p:nvPr>
+        </p:nvSpPr>
+        <p:spPr/>
+        <p:txBody>
+          <a:bodyPr/>
+          <a:lstStyle/>
+          <a:p>
+            <a:r>
+              <a:rPr lang="en-US" dirty="0"/>
+              <a:t>https://learn.microsoft.com/en-us/azure/architecture/</a:t>
+            </a:r>
+          </a:p>
+        </p:txBody>
+      </p:sp>
+    </p:spTree>
+    <p:extLst>
+      <p:ext uri="{BB962C8B-B14F-4D97-AF65-F5344CB8AC3E}">
+        <p14:creationId xmlns:p14="http://schemas.microsoft.com/office/powerpoint/2010/main" val="2768597183"/>
       </p:ext>
     </p:extLst>
   </p:cSld>
